--- a/Dokumentation/Vorstellungspräsentation.pptx
+++ b/Dokumentation/Vorstellungspräsentation.pptx
@@ -9,17 +9,16 @@
     <p:sldMasterId id="2147483693" r:id="rId5"/>
   </p:sldMasterIdLst>
   <p:notesMasterIdLst>
-    <p:notesMasterId r:id="rId14"/>
+    <p:notesMasterId r:id="rId13"/>
   </p:notesMasterIdLst>
   <p:sldIdLst>
-    <p:sldId id="256" r:id="rId6"/>
-    <p:sldId id="261" r:id="rId7"/>
-    <p:sldId id="258" r:id="rId8"/>
-    <p:sldId id="262" r:id="rId9"/>
-    <p:sldId id="260" r:id="rId10"/>
-    <p:sldId id="263" r:id="rId11"/>
-    <p:sldId id="264" r:id="rId12"/>
-    <p:sldId id="265" r:id="rId13"/>
+    <p:sldId id="261" r:id="rId6"/>
+    <p:sldId id="258" r:id="rId7"/>
+    <p:sldId id="262" r:id="rId8"/>
+    <p:sldId id="260" r:id="rId9"/>
+    <p:sldId id="263" r:id="rId10"/>
+    <p:sldId id="264" r:id="rId11"/>
+    <p:sldId id="265" r:id="rId12"/>
   </p:sldIdLst>
   <p:sldSz cx="12192000" cy="6858000"/>
   <p:notesSz cx="6858000" cy="9144000"/>
@@ -9379,10 +9378,10 @@
       </p:grpSpPr>
       <p:sp>
         <p:nvSpPr>
-          <p:cNvPr id="4" name="Titel 3">
+          <p:cNvPr id="2" name="Titel 1">
             <a:extLst>
               <a:ext uri="{FF2B5EF4-FFF2-40B4-BE49-F238E27FC236}">
-                <a16:creationId xmlns:a16="http://schemas.microsoft.com/office/drawing/2014/main" id="{8E071B69-FEF1-491F-8D7B-F0161F5559CF}"/>
+                <a16:creationId xmlns:a16="http://schemas.microsoft.com/office/drawing/2014/main" id="{F6CDCB29-B033-824F-9579-DE7C9ACEFED0}"/>
               </a:ext>
             </a:extLst>
           </p:cNvPr>
@@ -9393,24 +9392,29 @@
             <p:ph type="ctrTitle"/>
           </p:nvPr>
         </p:nvSpPr>
-        <p:spPr/>
+        <p:spPr>
+          <a:xfrm>
+            <a:off x="1596000" y="2250000"/>
+            <a:ext cx="8690399" cy="2358000"/>
+          </a:xfrm>
+        </p:spPr>
         <p:txBody>
           <a:bodyPr/>
           <a:lstStyle/>
           <a:p>
             <a:r>
-              <a:rPr lang="de-DE" dirty="0"/>
-              <a:t>Titel der Präsentation</a:t>
-            </a:r>
-          </a:p>
-        </p:txBody>
-      </p:sp>
-      <p:sp>
-        <p:nvSpPr>
-          <p:cNvPr id="8" name="Datumsplatzhalter 7">
+              <a:rPr lang="de-DE" sz="4000" dirty="0"/>
+              <a:t>Projekt: Visualisierung der Oberflächenpotentialverteilung</a:t>
+            </a:r>
+          </a:p>
+        </p:txBody>
+      </p:sp>
+      <p:sp>
+        <p:nvSpPr>
+          <p:cNvPr id="3" name="Datumsplatzhalter 2">
             <a:extLst>
               <a:ext uri="{FF2B5EF4-FFF2-40B4-BE49-F238E27FC236}">
-                <a16:creationId xmlns:a16="http://schemas.microsoft.com/office/drawing/2014/main" id="{DEBEF68A-5D71-4916-AA70-5D6358403C1F}"/>
+                <a16:creationId xmlns:a16="http://schemas.microsoft.com/office/drawing/2014/main" id="{4DA9B5AA-E63F-EE47-9BC2-E53EBF38A80D}"/>
               </a:ext>
             </a:extLst>
           </p:cNvPr>
@@ -9426,7 +9430,7 @@
           <a:bodyPr/>
           <a:lstStyle/>
           <a:p>
-            <a:fld id="{C8874B37-A53A-4778-9231-098D69C675D2}" type="datetime4">
+            <a:fld id="{E4612975-D8C2-4BA9-A85C-A39EEEE43493}" type="datetime4">
               <a:rPr lang="de-DE" smtClean="0"/>
               <a:pPr/>
               <a:t>26. Oktober 2023</a:t>
@@ -9437,10 +9441,10 @@
       </p:sp>
       <p:sp>
         <p:nvSpPr>
-          <p:cNvPr id="9" name="Fußzeilenplatzhalter 8">
+          <p:cNvPr id="4" name="Fußzeilenplatzhalter 3">
             <a:extLst>
               <a:ext uri="{FF2B5EF4-FFF2-40B4-BE49-F238E27FC236}">
-                <a16:creationId xmlns:a16="http://schemas.microsoft.com/office/drawing/2014/main" id="{5191B196-3516-4066-A08A-D9B57BD76030}"/>
+                <a16:creationId xmlns:a16="http://schemas.microsoft.com/office/drawing/2014/main" id="{2F0FFBE0-85A9-954B-8F08-37999726043A}"/>
               </a:ext>
             </a:extLst>
           </p:cNvPr>
@@ -9461,87 +9465,15 @@
               <a:t>Joris Bakker Julius Zeng, Luis, Fakultät ING</a:t>
             </a:r>
           </a:p>
-        </p:txBody>
-      </p:sp>
-      <p:sp>
-        <p:nvSpPr>
-          <p:cNvPr id="2" name="Bildplatzhalter 1">
-            <a:extLst>
-              <a:ext uri="{FF2B5EF4-FFF2-40B4-BE49-F238E27FC236}">
-                <a16:creationId xmlns:a16="http://schemas.microsoft.com/office/drawing/2014/main" id="{656E1474-1957-774F-AEE6-6A9BA284DA40}"/>
-              </a:ext>
-            </a:extLst>
-          </p:cNvPr>
-          <p:cNvSpPr>
-            <a:spLocks noGrp="1"/>
-          </p:cNvSpPr>
-          <p:nvPr>
-            <p:ph type="pic" sz="quarter" idx="14"/>
-          </p:nvPr>
-        </p:nvSpPr>
-        <p:spPr/>
-        <p:txBody>
-          <a:bodyPr/>
-          <a:lstStyle/>
           <a:p>
             <a:endParaRPr lang="de-DE" dirty="0"/>
-          </a:p>
-        </p:txBody>
-      </p:sp>
-      <p:sp>
-        <p:nvSpPr>
-          <p:cNvPr id="3" name="Textplatzhalter 2">
-            <a:extLst>
-              <a:ext uri="{FF2B5EF4-FFF2-40B4-BE49-F238E27FC236}">
-                <a16:creationId xmlns:a16="http://schemas.microsoft.com/office/drawing/2014/main" id="{45288A34-100B-CC46-AC7C-4F1644C0BDD2}"/>
-              </a:ext>
-            </a:extLst>
-          </p:cNvPr>
-          <p:cNvSpPr>
-            <a:spLocks noGrp="1"/>
-          </p:cNvSpPr>
-          <p:nvPr>
-            <p:ph type="body" sz="quarter" idx="15"/>
-          </p:nvPr>
-        </p:nvSpPr>
-        <p:spPr/>
-        <p:txBody>
-          <a:bodyPr/>
-          <a:lstStyle/>
-          <a:p>
-            <a:endParaRPr lang="de-DE" dirty="0"/>
-          </a:p>
-        </p:txBody>
-      </p:sp>
-      <p:sp>
-        <p:nvSpPr>
-          <p:cNvPr id="6" name="Textplatzhalter 5">
-            <a:extLst>
-              <a:ext uri="{FF2B5EF4-FFF2-40B4-BE49-F238E27FC236}">
-                <a16:creationId xmlns:a16="http://schemas.microsoft.com/office/drawing/2014/main" id="{85F9D7C0-CB70-3F43-A148-7C692B5C1154}"/>
-              </a:ext>
-            </a:extLst>
-          </p:cNvPr>
-          <p:cNvSpPr>
-            <a:spLocks noGrp="1"/>
-          </p:cNvSpPr>
-          <p:nvPr>
-            <p:ph type="body" sz="quarter" idx="16"/>
-          </p:nvPr>
-        </p:nvSpPr>
-        <p:spPr/>
-        <p:txBody>
-          <a:bodyPr/>
-          <a:lstStyle/>
-          <a:p>
-            <a:endParaRPr lang="de-DE"/>
           </a:p>
         </p:txBody>
       </p:sp>
     </p:spTree>
     <p:extLst>
       <p:ext uri="{BB962C8B-B14F-4D97-AF65-F5344CB8AC3E}">
-        <p14:creationId xmlns:p14="http://schemas.microsoft.com/office/powerpoint/2010/main" val="1753301106"/>
+        <p14:creationId xmlns:p14="http://schemas.microsoft.com/office/powerpoint/2010/main" val="57225258"/>
       </p:ext>
     </p:extLst>
   </p:cSld>
@@ -9570,51 +9502,34 @@
       </p:grpSpPr>
       <p:sp>
         <p:nvSpPr>
-          <p:cNvPr id="2" name="Titel 1">
-            <a:extLst>
-              <a:ext uri="{FF2B5EF4-FFF2-40B4-BE49-F238E27FC236}">
-                <a16:creationId xmlns:a16="http://schemas.microsoft.com/office/drawing/2014/main" id="{F6CDCB29-B033-824F-9579-DE7C9ACEFED0}"/>
-              </a:ext>
-            </a:extLst>
-          </p:cNvPr>
-          <p:cNvSpPr>
-            <a:spLocks noGrp="1"/>
-          </p:cNvSpPr>
-          <p:nvPr>
-            <p:ph type="ctrTitle"/>
-          </p:nvPr>
-        </p:nvSpPr>
-        <p:spPr>
-          <a:xfrm>
-            <a:off x="1596000" y="2250000"/>
-            <a:ext cx="8690399" cy="2358000"/>
-          </a:xfrm>
-        </p:spPr>
+          <p:cNvPr id="2" name="Titel 1"/>
+          <p:cNvSpPr>
+            <a:spLocks noGrp="1"/>
+          </p:cNvSpPr>
+          <p:nvPr>
+            <p:ph type="title"/>
+          </p:nvPr>
+        </p:nvSpPr>
+        <p:spPr/>
         <p:txBody>
           <a:bodyPr/>
           <a:lstStyle/>
           <a:p>
             <a:r>
-              <a:rPr lang="de-DE" sz="4000" dirty="0"/>
-              <a:t>Projekt: Visualisierung der Oberflächenpotentialverteilung</a:t>
-            </a:r>
-          </a:p>
-        </p:txBody>
-      </p:sp>
-      <p:sp>
-        <p:nvSpPr>
-          <p:cNvPr id="3" name="Datumsplatzhalter 2">
-            <a:extLst>
-              <a:ext uri="{FF2B5EF4-FFF2-40B4-BE49-F238E27FC236}">
-                <a16:creationId xmlns:a16="http://schemas.microsoft.com/office/drawing/2014/main" id="{4DA9B5AA-E63F-EE47-9BC2-E53EBF38A80D}"/>
-              </a:ext>
-            </a:extLst>
-          </p:cNvPr>
-          <p:cNvSpPr>
-            <a:spLocks noGrp="1"/>
-          </p:cNvSpPr>
-          <p:nvPr>
-            <p:ph type="dt" sz="half" idx="10"/>
+              <a:rPr lang="de-DE" dirty="0"/>
+              <a:t>Gliederung</a:t>
+            </a:r>
+          </a:p>
+        </p:txBody>
+      </p:sp>
+      <p:sp>
+        <p:nvSpPr>
+          <p:cNvPr id="3" name="Inhaltsplatzhalter 2"/>
+          <p:cNvSpPr>
+            <a:spLocks noGrp="1"/>
+          </p:cNvSpPr>
+          <p:nvPr>
+            <p:ph idx="1"/>
           </p:nvPr>
         </p:nvSpPr>
         <p:spPr/>
@@ -9622,24 +9537,40 @@
           <a:bodyPr/>
           <a:lstStyle/>
           <a:p>
-            <a:fld id="{E4612975-D8C2-4BA9-A85C-A39EEEE43493}" type="datetime4">
-              <a:rPr lang="de-DE" smtClean="0"/>
-              <a:pPr/>
-              <a:t>26. Oktober 2023</a:t>
-            </a:fld>
-            <a:endParaRPr lang="de-DE" dirty="0"/>
-          </a:p>
-        </p:txBody>
-      </p:sp>
-      <p:sp>
-        <p:nvSpPr>
-          <p:cNvPr id="4" name="Fußzeilenplatzhalter 3">
-            <a:extLst>
-              <a:ext uri="{FF2B5EF4-FFF2-40B4-BE49-F238E27FC236}">
-                <a16:creationId xmlns:a16="http://schemas.microsoft.com/office/drawing/2014/main" id="{2F0FFBE0-85A9-954B-8F08-37999726043A}"/>
-              </a:ext>
-            </a:extLst>
-          </p:cNvPr>
+            <a:r>
+              <a:rPr lang="de-DE" dirty="0"/>
+              <a:t> </a:t>
+            </a:r>
+          </a:p>
+          <a:p>
+            <a:r>
+              <a:rPr lang="de-DE" dirty="0"/>
+              <a:t>1. Visuelle Realisierung des Projektes</a:t>
+            </a:r>
+          </a:p>
+          <a:p>
+            <a:r>
+              <a:rPr lang="de-DE" dirty="0"/>
+              <a:t>2. Elektrische Realisierung des Projektes</a:t>
+            </a:r>
+          </a:p>
+          <a:p>
+            <a:r>
+              <a:rPr lang="de-DE" dirty="0"/>
+              <a:t>3. Benötigte Komponenten für das Projekt</a:t>
+            </a:r>
+          </a:p>
+          <a:p>
+            <a:r>
+              <a:rPr lang="de-DE" dirty="0"/>
+              <a:t>4. Zeitplan</a:t>
+            </a:r>
+          </a:p>
+        </p:txBody>
+      </p:sp>
+      <p:sp>
+        <p:nvSpPr>
+          <p:cNvPr id="4" name="Fußzeilenplatzhalter 3"/>
           <p:cNvSpPr>
             <a:spLocks noGrp="1"/>
           </p:cNvSpPr>
@@ -9657,15 +9588,35 @@
               <a:t>Joris Bakker Julius Zeng, Luis, Fakultät ING</a:t>
             </a:r>
           </a:p>
-          <a:p>
-            <a:endParaRPr lang="de-DE" dirty="0"/>
+        </p:txBody>
+      </p:sp>
+      <p:sp>
+        <p:nvSpPr>
+          <p:cNvPr id="5" name="Foliennummernplatzhalter 4"/>
+          <p:cNvSpPr>
+            <a:spLocks noGrp="1"/>
+          </p:cNvSpPr>
+          <p:nvPr>
+            <p:ph type="sldNum" sz="quarter" idx="12"/>
+          </p:nvPr>
+        </p:nvSpPr>
+        <p:spPr/>
+        <p:txBody>
+          <a:bodyPr/>
+          <a:lstStyle/>
+          <a:p>
+            <a:fld id="{5DDB454C-C8BB-450C-A446-EA3D813FE484}" type="slidenum">
+              <a:rPr lang="de-DE" smtClean="0"/>
+              <a:t>2</a:t>
+            </a:fld>
+            <a:endParaRPr lang="de-DE"/>
           </a:p>
         </p:txBody>
       </p:sp>
     </p:spTree>
     <p:extLst>
       <p:ext uri="{BB962C8B-B14F-4D97-AF65-F5344CB8AC3E}">
-        <p14:creationId xmlns:p14="http://schemas.microsoft.com/office/powerpoint/2010/main" val="57225258"/>
+        <p14:creationId xmlns:p14="http://schemas.microsoft.com/office/powerpoint/2010/main" val="1651772368"/>
       </p:ext>
     </p:extLst>
   </p:cSld>
@@ -9694,149 +9645,6 @@
       </p:grpSpPr>
       <p:sp>
         <p:nvSpPr>
-          <p:cNvPr id="2" name="Titel 1"/>
-          <p:cNvSpPr>
-            <a:spLocks noGrp="1"/>
-          </p:cNvSpPr>
-          <p:nvPr>
-            <p:ph type="title"/>
-          </p:nvPr>
-        </p:nvSpPr>
-        <p:spPr/>
-        <p:txBody>
-          <a:bodyPr/>
-          <a:lstStyle/>
-          <a:p>
-            <a:r>
-              <a:rPr lang="de-DE" dirty="0"/>
-              <a:t>Gliederung</a:t>
-            </a:r>
-          </a:p>
-        </p:txBody>
-      </p:sp>
-      <p:sp>
-        <p:nvSpPr>
-          <p:cNvPr id="3" name="Inhaltsplatzhalter 2"/>
-          <p:cNvSpPr>
-            <a:spLocks noGrp="1"/>
-          </p:cNvSpPr>
-          <p:nvPr>
-            <p:ph idx="1"/>
-          </p:nvPr>
-        </p:nvSpPr>
-        <p:spPr/>
-        <p:txBody>
-          <a:bodyPr/>
-          <a:lstStyle/>
-          <a:p>
-            <a:r>
-              <a:rPr lang="de-DE" dirty="0"/>
-              <a:t> </a:t>
-            </a:r>
-          </a:p>
-          <a:p>
-            <a:r>
-              <a:rPr lang="de-DE" dirty="0"/>
-              <a:t>1. Visuelle Realisierung des Projektes</a:t>
-            </a:r>
-          </a:p>
-          <a:p>
-            <a:r>
-              <a:rPr lang="de-DE" dirty="0"/>
-              <a:t>2. Elektrische Realisierung des Projektes</a:t>
-            </a:r>
-          </a:p>
-          <a:p>
-            <a:r>
-              <a:rPr lang="de-DE" dirty="0"/>
-              <a:t>3. Benötigte Komponenten für das Projekt</a:t>
-            </a:r>
-          </a:p>
-          <a:p>
-            <a:r>
-              <a:rPr lang="de-DE" dirty="0"/>
-              <a:t>4. Zeitplan</a:t>
-            </a:r>
-          </a:p>
-        </p:txBody>
-      </p:sp>
-      <p:sp>
-        <p:nvSpPr>
-          <p:cNvPr id="4" name="Fußzeilenplatzhalter 3"/>
-          <p:cNvSpPr>
-            <a:spLocks noGrp="1"/>
-          </p:cNvSpPr>
-          <p:nvPr>
-            <p:ph type="ftr" sz="quarter" idx="11"/>
-          </p:nvPr>
-        </p:nvSpPr>
-        <p:spPr/>
-        <p:txBody>
-          <a:bodyPr/>
-          <a:lstStyle/>
-          <a:p>
-            <a:r>
-              <a:rPr lang="de-DE" dirty="0"/>
-              <a:t>Joris Bakker Julius Zeng, Luis, Fakultät ING</a:t>
-            </a:r>
-          </a:p>
-        </p:txBody>
-      </p:sp>
-      <p:sp>
-        <p:nvSpPr>
-          <p:cNvPr id="5" name="Foliennummernplatzhalter 4"/>
-          <p:cNvSpPr>
-            <a:spLocks noGrp="1"/>
-          </p:cNvSpPr>
-          <p:nvPr>
-            <p:ph type="sldNum" sz="quarter" idx="12"/>
-          </p:nvPr>
-        </p:nvSpPr>
-        <p:spPr/>
-        <p:txBody>
-          <a:bodyPr/>
-          <a:lstStyle/>
-          <a:p>
-            <a:fld id="{5DDB454C-C8BB-450C-A446-EA3D813FE484}" type="slidenum">
-              <a:rPr lang="de-DE" smtClean="0"/>
-              <a:t>3</a:t>
-            </a:fld>
-            <a:endParaRPr lang="de-DE"/>
-          </a:p>
-        </p:txBody>
-      </p:sp>
-    </p:spTree>
-    <p:extLst>
-      <p:ext uri="{BB962C8B-B14F-4D97-AF65-F5344CB8AC3E}">
-        <p14:creationId xmlns:p14="http://schemas.microsoft.com/office/powerpoint/2010/main" val="1651772368"/>
-      </p:ext>
-    </p:extLst>
-  </p:cSld>
-  <p:clrMapOvr>
-    <a:masterClrMapping/>
-  </p:clrMapOvr>
-</p:sld>
-</file>
-
-<file path=ppt/slides/slide4.xml><?xml version="1.0" encoding="utf-8"?>
-<p:sld xmlns:a="http://schemas.openxmlformats.org/drawingml/2006/main" xmlns:r="http://schemas.openxmlformats.org/officeDocument/2006/relationships" xmlns:p="http://schemas.openxmlformats.org/presentationml/2006/main">
-  <p:cSld>
-    <p:spTree>
-      <p:nvGrpSpPr>
-        <p:cNvPr id="1" name=""/>
-        <p:cNvGrpSpPr/>
-        <p:nvPr/>
-      </p:nvGrpSpPr>
-      <p:grpSpPr>
-        <a:xfrm>
-          <a:off x="0" y="0"/>
-          <a:ext cx="0" cy="0"/>
-          <a:chOff x="0" y="0"/>
-          <a:chExt cx="0" cy="0"/>
-        </a:xfrm>
-      </p:grpSpPr>
-      <p:sp>
-        <p:nvSpPr>
           <p:cNvPr id="2" name="Titel 1">
             <a:extLst>
               <a:ext uri="{FF2B5EF4-FFF2-40B4-BE49-F238E27FC236}">
@@ -9960,7 +9768,7 @@
           <a:p>
             <a:fld id="{5DDB454C-C8BB-450C-A446-EA3D813FE484}" type="slidenum">
               <a:rPr lang="de-DE" smtClean="0"/>
-              <a:t>4</a:t>
+              <a:t>3</a:t>
             </a:fld>
             <a:endParaRPr lang="de-DE"/>
           </a:p>
@@ -10010,6 +9818,161 @@
 </p:sld>
 </file>
 
+<file path=ppt/slides/slide4.xml><?xml version="1.0" encoding="utf-8"?>
+<p:sld xmlns:a="http://schemas.openxmlformats.org/drawingml/2006/main" xmlns:r="http://schemas.openxmlformats.org/officeDocument/2006/relationships" xmlns:p="http://schemas.openxmlformats.org/presentationml/2006/main">
+  <p:cSld>
+    <p:spTree>
+      <p:nvGrpSpPr>
+        <p:cNvPr id="1" name=""/>
+        <p:cNvGrpSpPr/>
+        <p:nvPr/>
+      </p:nvGrpSpPr>
+      <p:grpSpPr>
+        <a:xfrm>
+          <a:off x="0" y="0"/>
+          <a:ext cx="0" cy="0"/>
+          <a:chOff x="0" y="0"/>
+          <a:chExt cx="0" cy="0"/>
+        </a:xfrm>
+      </p:grpSpPr>
+      <p:sp>
+        <p:nvSpPr>
+          <p:cNvPr id="2" name="Titel 1"/>
+          <p:cNvSpPr>
+            <a:spLocks noGrp="1"/>
+          </p:cNvSpPr>
+          <p:nvPr>
+            <p:ph type="title"/>
+          </p:nvPr>
+        </p:nvSpPr>
+        <p:spPr/>
+        <p:txBody>
+          <a:bodyPr/>
+          <a:lstStyle/>
+          <a:p>
+            <a:r>
+              <a:rPr lang="de-DE" dirty="0"/>
+              <a:t>2. Elektrische Realisierung des Projektes</a:t>
+            </a:r>
+          </a:p>
+        </p:txBody>
+      </p:sp>
+      <p:sp>
+        <p:nvSpPr>
+          <p:cNvPr id="3" name="Inhaltsplatzhalter 2"/>
+          <p:cNvSpPr>
+            <a:spLocks noGrp="1"/>
+          </p:cNvSpPr>
+          <p:nvPr>
+            <p:ph sz="half" idx="2"/>
+          </p:nvPr>
+        </p:nvSpPr>
+        <p:spPr>
+          <a:xfrm>
+            <a:off x="2062164" y="1447200"/>
+            <a:ext cx="8067675" cy="2343964"/>
+          </a:xfrm>
+        </p:spPr>
+        <p:txBody>
+          <a:bodyPr/>
+          <a:lstStyle/>
+          <a:p>
+            <a:pPr lvl="1"/>
+            <a:r>
+              <a:rPr lang="de-DE" dirty="0"/>
+              <a:t>- LED- Matrix wird mit einem Arduino Angesteuert</a:t>
+            </a:r>
+          </a:p>
+        </p:txBody>
+      </p:sp>
+      <p:sp>
+        <p:nvSpPr>
+          <p:cNvPr id="4" name="Fußzeilenplatzhalter 3"/>
+          <p:cNvSpPr>
+            <a:spLocks noGrp="1"/>
+          </p:cNvSpPr>
+          <p:nvPr>
+            <p:ph type="ftr" sz="quarter" idx="11"/>
+          </p:nvPr>
+        </p:nvSpPr>
+        <p:spPr/>
+        <p:txBody>
+          <a:bodyPr/>
+          <a:lstStyle/>
+          <a:p>
+            <a:r>
+              <a:rPr lang="de-DE" dirty="0"/>
+              <a:t>Joris Bakker Julius Zeng, Luis, Fakultät ING</a:t>
+            </a:r>
+          </a:p>
+        </p:txBody>
+      </p:sp>
+      <p:sp>
+        <p:nvSpPr>
+          <p:cNvPr id="5" name="Foliennummernplatzhalter 4"/>
+          <p:cNvSpPr>
+            <a:spLocks noGrp="1"/>
+          </p:cNvSpPr>
+          <p:nvPr>
+            <p:ph type="sldNum" sz="quarter" idx="12"/>
+          </p:nvPr>
+        </p:nvSpPr>
+        <p:spPr/>
+        <p:txBody>
+          <a:bodyPr/>
+          <a:lstStyle/>
+          <a:p>
+            <a:fld id="{5DDB454C-C8BB-450C-A446-EA3D813FE484}" type="slidenum">
+              <a:rPr lang="de-DE" smtClean="0"/>
+              <a:t>4</a:t>
+            </a:fld>
+            <a:endParaRPr lang="de-DE"/>
+          </a:p>
+        </p:txBody>
+      </p:sp>
+      <p:pic>
+        <p:nvPicPr>
+          <p:cNvPr id="7" name="Grafik 6">
+            <a:extLst>
+              <a:ext uri="{FF2B5EF4-FFF2-40B4-BE49-F238E27FC236}">
+                <a16:creationId xmlns:a16="http://schemas.microsoft.com/office/drawing/2014/main" id="{8A4E0833-6355-33D7-2ECD-176E0A678E5B}"/>
+              </a:ext>
+            </a:extLst>
+          </p:cNvPr>
+          <p:cNvPicPr>
+            <a:picLocks noChangeAspect="1"/>
+          </p:cNvPicPr>
+          <p:nvPr/>
+        </p:nvPicPr>
+        <p:blipFill>
+          <a:blip r:embed="rId2"/>
+          <a:stretch>
+            <a:fillRect/>
+          </a:stretch>
+        </p:blipFill>
+        <p:spPr>
+          <a:xfrm>
+            <a:off x="1130059" y="2205632"/>
+            <a:ext cx="3358101" cy="3326950"/>
+          </a:xfrm>
+          <a:prstGeom prst="rect">
+            <a:avLst/>
+          </a:prstGeom>
+        </p:spPr>
+      </p:pic>
+    </p:spTree>
+    <p:extLst>
+      <p:ext uri="{BB962C8B-B14F-4D97-AF65-F5344CB8AC3E}">
+        <p14:creationId xmlns:p14="http://schemas.microsoft.com/office/powerpoint/2010/main" val="607293032"/>
+      </p:ext>
+    </p:extLst>
+  </p:cSld>
+  <p:clrMapOvr>
+    <a:masterClrMapping/>
+  </p:clrMapOvr>
+</p:sld>
+</file>
+
 <file path=ppt/slides/slide5.xml><?xml version="1.0" encoding="utf-8"?>
 <p:sld xmlns:a="http://schemas.openxmlformats.org/drawingml/2006/main" xmlns:r="http://schemas.openxmlformats.org/officeDocument/2006/relationships" xmlns:p="http://schemas.openxmlformats.org/presentationml/2006/main">
   <p:cSld>
@@ -10044,138 +10007,6 @@
           <a:p>
             <a:r>
               <a:rPr lang="de-DE" dirty="0"/>
-              <a:t>2. Elektrische Realisierung des Projektes</a:t>
-            </a:r>
-          </a:p>
-        </p:txBody>
-      </p:sp>
-      <p:sp>
-        <p:nvSpPr>
-          <p:cNvPr id="3" name="Inhaltsplatzhalter 2"/>
-          <p:cNvSpPr>
-            <a:spLocks noGrp="1"/>
-          </p:cNvSpPr>
-          <p:nvPr>
-            <p:ph sz="half" idx="2"/>
-          </p:nvPr>
-        </p:nvSpPr>
-        <p:spPr>
-          <a:xfrm>
-            <a:off x="2062164" y="1447200"/>
-            <a:ext cx="8067675" cy="2343964"/>
-          </a:xfrm>
-        </p:spPr>
-        <p:txBody>
-          <a:bodyPr/>
-          <a:lstStyle/>
-          <a:p>
-            <a:pPr lvl="1"/>
-            <a:r>
-              <a:rPr lang="de-DE" dirty="0"/>
-              <a:t>- LED- Matrix wird mit einem Arduino Angesteuert</a:t>
-            </a:r>
-          </a:p>
-          <a:p>
-            <a:pPr lvl="1"/>
-            <a:r>
-              <a:rPr lang="de-DE" dirty="0"/>
-              <a:t>- Insert Bauteile</a:t>
-            </a:r>
-          </a:p>
-        </p:txBody>
-      </p:sp>
-      <p:sp>
-        <p:nvSpPr>
-          <p:cNvPr id="4" name="Fußzeilenplatzhalter 3"/>
-          <p:cNvSpPr>
-            <a:spLocks noGrp="1"/>
-          </p:cNvSpPr>
-          <p:nvPr>
-            <p:ph type="ftr" sz="quarter" idx="11"/>
-          </p:nvPr>
-        </p:nvSpPr>
-        <p:spPr/>
-        <p:txBody>
-          <a:bodyPr/>
-          <a:lstStyle/>
-          <a:p>
-            <a:r>
-              <a:rPr lang="de-DE" dirty="0"/>
-              <a:t>Joris Bakker Julius Zeng, Luis, Fakultät ING</a:t>
-            </a:r>
-          </a:p>
-        </p:txBody>
-      </p:sp>
-      <p:sp>
-        <p:nvSpPr>
-          <p:cNvPr id="5" name="Foliennummernplatzhalter 4"/>
-          <p:cNvSpPr>
-            <a:spLocks noGrp="1"/>
-          </p:cNvSpPr>
-          <p:nvPr>
-            <p:ph type="sldNum" sz="quarter" idx="12"/>
-          </p:nvPr>
-        </p:nvSpPr>
-        <p:spPr/>
-        <p:txBody>
-          <a:bodyPr/>
-          <a:lstStyle/>
-          <a:p>
-            <a:fld id="{5DDB454C-C8BB-450C-A446-EA3D813FE484}" type="slidenum">
-              <a:rPr lang="de-DE" smtClean="0"/>
-              <a:t>5</a:t>
-            </a:fld>
-            <a:endParaRPr lang="de-DE"/>
-          </a:p>
-        </p:txBody>
-      </p:sp>
-    </p:spTree>
-    <p:extLst>
-      <p:ext uri="{BB962C8B-B14F-4D97-AF65-F5344CB8AC3E}">
-        <p14:creationId xmlns:p14="http://schemas.microsoft.com/office/powerpoint/2010/main" val="607293032"/>
-      </p:ext>
-    </p:extLst>
-  </p:cSld>
-  <p:clrMapOvr>
-    <a:masterClrMapping/>
-  </p:clrMapOvr>
-</p:sld>
-</file>
-
-<file path=ppt/slides/slide6.xml><?xml version="1.0" encoding="utf-8"?>
-<p:sld xmlns:a="http://schemas.openxmlformats.org/drawingml/2006/main" xmlns:r="http://schemas.openxmlformats.org/officeDocument/2006/relationships" xmlns:p="http://schemas.openxmlformats.org/presentationml/2006/main">
-  <p:cSld>
-    <p:spTree>
-      <p:nvGrpSpPr>
-        <p:cNvPr id="1" name=""/>
-        <p:cNvGrpSpPr/>
-        <p:nvPr/>
-      </p:nvGrpSpPr>
-      <p:grpSpPr>
-        <a:xfrm>
-          <a:off x="0" y="0"/>
-          <a:ext cx="0" cy="0"/>
-          <a:chOff x="0" y="0"/>
-          <a:chExt cx="0" cy="0"/>
-        </a:xfrm>
-      </p:grpSpPr>
-      <p:sp>
-        <p:nvSpPr>
-          <p:cNvPr id="2" name="Titel 1"/>
-          <p:cNvSpPr>
-            <a:spLocks noGrp="1"/>
-          </p:cNvSpPr>
-          <p:nvPr>
-            <p:ph type="title"/>
-          </p:nvPr>
-        </p:nvSpPr>
-        <p:spPr/>
-        <p:txBody>
-          <a:bodyPr/>
-          <a:lstStyle/>
-          <a:p>
-            <a:r>
-              <a:rPr lang="de-DE" dirty="0"/>
               <a:t>3. Benötigte Komponenten und Geräte</a:t>
             </a:r>
           </a:p>
@@ -10214,6 +10045,13 @@
               <a:t>- 3D Drucker</a:t>
             </a:r>
           </a:p>
+          <a:p>
+            <a:pPr lvl="1"/>
+            <a:r>
+              <a:rPr lang="de-DE" dirty="0"/>
+              <a:t>- CNC Fräse (für Platinen)</a:t>
+            </a:r>
+          </a:p>
         </p:txBody>
       </p:sp>
       <p:sp>
@@ -10255,7 +10093,7 @@
           <a:p>
             <a:fld id="{5DDB454C-C8BB-450C-A446-EA3D813FE484}" type="slidenum">
               <a:rPr lang="de-DE" smtClean="0"/>
-              <a:t>6</a:t>
+              <a:t>5</a:t>
             </a:fld>
             <a:endParaRPr lang="de-DE"/>
           </a:p>
@@ -10495,6 +10333,45 @@
               <a:t>- Trennmittel</a:t>
             </a:r>
           </a:p>
+          <a:p>
+            <a:r>
+              <a:rPr lang="de-DE" b="0" dirty="0"/>
+              <a:t>- Holz für Rahmen</a:t>
+            </a:r>
+          </a:p>
+          <a:p>
+            <a:r>
+              <a:rPr lang="de-DE" b="0" dirty="0"/>
+              <a:t>- LED Matrix</a:t>
+            </a:r>
+          </a:p>
+          <a:p>
+            <a:r>
+              <a:rPr lang="de-DE" b="0" dirty="0"/>
+              <a:t>- Netzteil</a:t>
+            </a:r>
+          </a:p>
+          <a:p>
+            <a:r>
+              <a:rPr lang="de-DE" b="0" dirty="0"/>
+              <a:t>- Arduino</a:t>
+            </a:r>
+          </a:p>
+          <a:p>
+            <a:r>
+              <a:rPr lang="de-DE" b="0" dirty="0"/>
+              <a:t>- Verbindungen (Kabel)</a:t>
+            </a:r>
+          </a:p>
+          <a:p>
+            <a:endParaRPr lang="de-DE" b="0" dirty="0"/>
+          </a:p>
+          <a:p>
+            <a:r>
+              <a:rPr lang="de-DE" b="0" dirty="0"/>
+              <a:t>Kosten für Elektronik ca. 60 Euro </a:t>
+            </a:r>
+          </a:p>
         </p:txBody>
       </p:sp>
     </p:spTree>
@@ -10510,7 +10387,7 @@
 </p:sld>
 </file>
 
-<file path=ppt/slides/slide7.xml><?xml version="1.0" encoding="utf-8"?>
+<file path=ppt/slides/slide6.xml><?xml version="1.0" encoding="utf-8"?>
 <p:sld xmlns:a="http://schemas.openxmlformats.org/drawingml/2006/main" xmlns:r="http://schemas.openxmlformats.org/officeDocument/2006/relationships" xmlns:p="http://schemas.openxmlformats.org/presentationml/2006/main">
   <p:cSld>
     <p:spTree>
@@ -11142,7 +11019,7 @@
           <a:p>
             <a:fld id="{5DDB454C-C8BB-450C-A446-EA3D813FE484}" type="slidenum">
               <a:rPr lang="de-DE" smtClean="0"/>
-              <a:t>7</a:t>
+              <a:t>6</a:t>
             </a:fld>
             <a:endParaRPr lang="de-DE"/>
           </a:p>
@@ -11161,7 +11038,7 @@
 </p:sld>
 </file>
 
-<file path=ppt/slides/slide8.xml><?xml version="1.0" encoding="utf-8"?>
+<file path=ppt/slides/slide7.xml><?xml version="1.0" encoding="utf-8"?>
 <p:sld xmlns:a="http://schemas.openxmlformats.org/drawingml/2006/main" xmlns:r="http://schemas.openxmlformats.org/officeDocument/2006/relationships" xmlns:p="http://schemas.openxmlformats.org/presentationml/2006/main">
   <p:cSld>
     <p:spTree>
@@ -11199,7 +11076,10 @@
           <a:bodyPr/>
           <a:lstStyle/>
           <a:p>
-            <a:endParaRPr lang="de-DE"/>
+            <a:r>
+              <a:rPr lang="de-DE" dirty="0"/>
+              <a:t>Quellen</a:t>
+            </a:r>
           </a:p>
         </p:txBody>
       </p:sp>
@@ -11219,12 +11099,43 @@
             <p:ph sz="half" idx="2"/>
           </p:nvPr>
         </p:nvSpPr>
-        <p:spPr/>
+        <p:spPr>
+          <a:xfrm>
+            <a:off x="612475" y="1447200"/>
+            <a:ext cx="10861976" cy="4690800"/>
+          </a:xfrm>
+        </p:spPr>
         <p:txBody>
           <a:bodyPr/>
           <a:lstStyle/>
           <a:p>
-            <a:endParaRPr lang="de-DE"/>
+            <a:r>
+              <a:rPr lang="de-DE" dirty="0"/>
+              <a:t>- </a:t>
+            </a:r>
+            <a:r>
+              <a:rPr lang="de-DE" dirty="0">
+                <a:hlinkClick r:id="rId2"/>
+              </a:rPr>
+              <a:t>https://www.az-delivery.de/products/rgb-led-panel-ws2812b-16x16-256-leds-flexibel-led-modul-5050smd-ic-einzeladressierbare-vollfarbfunktionen-mit-dc5v-kompatibel-mit-raspberry-pi</a:t>
+            </a:r>
+            <a:endParaRPr lang="de-DE" dirty="0"/>
+          </a:p>
+          <a:p>
+            <a:endParaRPr lang="de-DE" dirty="0"/>
+          </a:p>
+          <a:p>
+            <a:r>
+              <a:rPr lang="de-DE" dirty="0"/>
+              <a:t>- </a:t>
+            </a:r>
+            <a:r>
+              <a:rPr lang="de-DE" dirty="0">
+                <a:hlinkClick r:id="rId3"/>
+              </a:rPr>
+              <a:t>https://www.amazon.de/Unbekannt-Mean-DC-Netzteilbaustein-Geschlossen-LRS-50-5/dp/B06XWRCWZ9/ref=sr_1_10?crid=2UYO85U0SR1EG&amp;keywords=5v%2B10a%2Bnetzteil&amp;qid=1698337024&amp;sprefix=5v%2B10%2Caps%2C85&amp;sr=8-10&amp;th=1</a:t>
+            </a:r>
+            <a:endParaRPr lang="de-DE" dirty="0"/>
           </a:p>
         </p:txBody>
       </p:sp>
@@ -11279,34 +11190,9 @@
           <a:p>
             <a:fld id="{5DDB454C-C8BB-450C-A446-EA3D813FE484}" type="slidenum">
               <a:rPr lang="de-DE" smtClean="0"/>
-              <a:t>8</a:t>
+              <a:t>7</a:t>
             </a:fld>
             <a:endParaRPr lang="de-DE"/>
-          </a:p>
-        </p:txBody>
-      </p:sp>
-      <p:sp>
-        <p:nvSpPr>
-          <p:cNvPr id="6" name="Bildplatzhalter 5">
-            <a:extLst>
-              <a:ext uri="{FF2B5EF4-FFF2-40B4-BE49-F238E27FC236}">
-                <a16:creationId xmlns:a16="http://schemas.microsoft.com/office/drawing/2014/main" id="{6BC87907-9A0E-0A35-444A-1403510D098D}"/>
-              </a:ext>
-            </a:extLst>
-          </p:cNvPr>
-          <p:cNvSpPr>
-            <a:spLocks noGrp="1"/>
-          </p:cNvSpPr>
-          <p:nvPr>
-            <p:ph type="pic" sz="quarter" idx="13"/>
-          </p:nvPr>
-        </p:nvSpPr>
-        <p:spPr/>
-        <p:txBody>
-          <a:bodyPr/>
-          <a:lstStyle/>
-          <a:p>
-            <a:endParaRPr lang="de-DE" dirty="0"/>
           </a:p>
         </p:txBody>
       </p:sp>

--- a/Dokumentation/Vorstellungspräsentation.pptx
+++ b/Dokumentation/Vorstellungspräsentation.pptx
@@ -9880,7 +9880,7 @@
             <a:pPr lvl="1"/>
             <a:r>
               <a:rPr lang="de-DE" dirty="0"/>
-              <a:t>- LED- Matrix wird mit einem Arduino Angesteuert</a:t>
+              <a:t>- 16x16 LED- Matrix wird mit einem Arduino Angesteuert</a:t>
             </a:r>
           </a:p>
         </p:txBody>
@@ -9932,10 +9932,10 @@
       </p:sp>
       <p:pic>
         <p:nvPicPr>
-          <p:cNvPr id="7" name="Grafik 6">
+          <p:cNvPr id="8" name="Grafik 7">
             <a:extLst>
               <a:ext uri="{FF2B5EF4-FFF2-40B4-BE49-F238E27FC236}">
-                <a16:creationId xmlns:a16="http://schemas.microsoft.com/office/drawing/2014/main" id="{8A4E0833-6355-33D7-2ECD-176E0A678E5B}"/>
+                <a16:creationId xmlns:a16="http://schemas.microsoft.com/office/drawing/2014/main" id="{29C821DD-1631-58EE-6FA7-05A9905B87CA}"/>
               </a:ext>
             </a:extLst>
           </p:cNvPr>
@@ -9952,8 +9952,8 @@
         </p:blipFill>
         <p:spPr>
           <a:xfrm>
-            <a:off x="1130059" y="2205632"/>
-            <a:ext cx="3358101" cy="3326950"/>
+            <a:off x="1845349" y="2315750"/>
+            <a:ext cx="4250650" cy="4250650"/>
           </a:xfrm>
           <a:prstGeom prst="rect">
             <a:avLst/>

--- a/Dokumentation/Vorstellungspräsentation.pptx
+++ b/Dokumentation/Vorstellungspräsentation.pptx
@@ -9462,7 +9462,7 @@
           <a:p>
             <a:r>
               <a:rPr lang="de-DE" dirty="0"/>
-              <a:t>Joris Bakker Julius Zeng, Luis, Fakultät ING</a:t>
+              <a:t>Joris Bakker Julius Zeng, Luis Klaus, Fakultät ING</a:t>
             </a:r>
           </a:p>
           <a:p>
@@ -9585,7 +9585,7 @@
           <a:p>
             <a:r>
               <a:rPr lang="de-DE" dirty="0"/>
-              <a:t>Joris Bakker Julius Zeng, Luis, Fakultät ING</a:t>
+              <a:t>Joris Bakker Julius Zeng, Luis Klaus, Fakultät ING</a:t>
             </a:r>
           </a:p>
         </p:txBody>
@@ -9740,7 +9740,7 @@
           <a:p>
             <a:r>
               <a:rPr lang="de-DE" dirty="0"/>
-              <a:t>Joris Bakker Julius Zeng, Luis, Fakultät ING</a:t>
+              <a:t>Joris Bakker Julius Zeng, Luis Klaus, Fakultät ING</a:t>
             </a:r>
           </a:p>
         </p:txBody>
@@ -9902,7 +9902,7 @@
           <a:p>
             <a:r>
               <a:rPr lang="de-DE" dirty="0"/>
-              <a:t>Joris Bakker Julius Zeng, Luis, Fakultät ING</a:t>
+              <a:t>Joris Bakker Julius Zeng, Luis Klaus, Fakultät ING</a:t>
             </a:r>
           </a:p>
         </p:txBody>
@@ -9953,7 +9953,7 @@
         <p:spPr>
           <a:xfrm>
             <a:off x="1845349" y="2315750"/>
-            <a:ext cx="4250650" cy="4250650"/>
+            <a:ext cx="3576092" cy="3576092"/>
           </a:xfrm>
           <a:prstGeom prst="rect">
             <a:avLst/>
@@ -10071,7 +10071,7 @@
           <a:p>
             <a:r>
               <a:rPr lang="de-DE" dirty="0"/>
-              <a:t>Joris Bakker Julius Zeng, Luis, Fakultät ING</a:t>
+              <a:t>Joris Bakker Julius Zeng, Luis Klaus, Fakultät ING</a:t>
             </a:r>
           </a:p>
         </p:txBody>
@@ -10997,7 +10997,7 @@
           <a:p>
             <a:r>
               <a:rPr lang="de-DE" dirty="0"/>
-              <a:t>Joris Bakker Julius Zeng, Luis, Fakultät ING</a:t>
+              <a:t>Joris Bakker Julius Zeng, Luis Klaus, Fakultät ING</a:t>
             </a:r>
           </a:p>
         </p:txBody>
@@ -11161,8 +11161,8 @@
           <a:lstStyle/>
           <a:p>
             <a:r>
-              <a:rPr lang="de-DE"/>
-              <a:t>Titel Vorname Name, Bereich Fakultät, ggf. Institut/Professur</a:t>
+              <a:rPr lang="de-DE" dirty="0"/>
+              <a:t>Joris Bakker Julius Zeng, Luis Klaus, Fakultät ING</a:t>
             </a:r>
           </a:p>
         </p:txBody>
